--- a/apresentacoes/Aula1/Etapa7-RefatoraçãoDaClasseNo/Etapa7.pptx
+++ b/apresentacoes/Aula1/Etapa7-RefatoraçãoDaClasseNo/Etapa7.pptx
@@ -285,7 +285,7 @@
       </p15:sldGuideLst>
     </p:ext>
     <p:ext uri="http://customooxmlschemas.google.com/">
-      <go:slidesCustomData xmlns:go="http://customooxmlschemas.google.com/" xmlns:ahyp="http://schemas.microsoft.com/office/drawing/2018/hyperlinkcolor" xmlns:p15="http://schemas.microsoft.com/office/powerpoint/2012/main" xmlns:p14="http://schemas.microsoft.com/office/powerpoint/2010/main" xmlns:com="http://schemas.openxmlformats.org/drawingml/2006/compatibility" xmlns:pvml="urn:schemas-microsoft-com:office:powerpoint" xmlns:v="urn:schemas-microsoft-com:vml" xmlns:o="urn:schemas-microsoft-com:office:office" xmlns:dgm="http://schemas.openxmlformats.org/drawingml/2006/diagram" xmlns:c="http://schemas.openxmlformats.org/drawingml/2006/chart" xmlns:mv="urn:schemas-microsoft-com:mac:vml" xmlns:mc="http://schemas.openxmlformats.org/markup-compatibility/2006" xmlns="" r:id="rId34" roundtripDataSignature="AMtx7mij1fsZUe5V3lBG5qQcqOvrI5UhJw=="/>
+      <go:slidesCustomData xmlns="" xmlns:mc="http://schemas.openxmlformats.org/markup-compatibility/2006" xmlns:mv="urn:schemas-microsoft-com:mac:vml" xmlns:c="http://schemas.openxmlformats.org/drawingml/2006/chart" xmlns:dgm="http://schemas.openxmlformats.org/drawingml/2006/diagram" xmlns:o="urn:schemas-microsoft-com:office:office" xmlns:v="urn:schemas-microsoft-com:vml" xmlns:pvml="urn:schemas-microsoft-com:office:powerpoint" xmlns:com="http://schemas.openxmlformats.org/drawingml/2006/compatibility" xmlns:p14="http://schemas.microsoft.com/office/powerpoint/2010/main" xmlns:p15="http://schemas.microsoft.com/office/powerpoint/2012/main" xmlns:ahyp="http://schemas.microsoft.com/office/drawing/2018/hyperlinkcolor" xmlns:go="http://customooxmlschemas.google.com/" r:id="rId34" roundtripDataSignature="AMtx7mij1fsZUe5V3lBG5qQcqOvrI5UhJw=="/>
     </p:ext>
   </p:extLst>
 </p:presentation>
@@ -20996,7 +20996,7 @@
         <p:fade/>
       </p:transition>
     </mc:Choice>
-    <mc:Fallback xmlns:ahyp="http://schemas.microsoft.com/office/drawing/2018/hyperlinkcolor" xmlns:p15="http://schemas.microsoft.com/office/powerpoint/2012/main" xmlns:com="http://schemas.openxmlformats.org/drawingml/2006/compatibility" xmlns:pvml="urn:schemas-microsoft-com:office:powerpoint" xmlns:v="urn:schemas-microsoft-com:vml" xmlns:o="urn:schemas-microsoft-com:office:office" xmlns:dgm="http://schemas.openxmlformats.org/drawingml/2006/diagram" xmlns:c="http://schemas.openxmlformats.org/drawingml/2006/chart" xmlns:mv="urn:schemas-microsoft-com:mac:vml" xmlns="">
+    <mc:Fallback xmlns="" xmlns:mv="urn:schemas-microsoft-com:mac:vml" xmlns:c="http://schemas.openxmlformats.org/drawingml/2006/chart" xmlns:dgm="http://schemas.openxmlformats.org/drawingml/2006/diagram" xmlns:o="urn:schemas-microsoft-com:office:office" xmlns:v="urn:schemas-microsoft-com:vml" xmlns:pvml="urn:schemas-microsoft-com:office:powerpoint" xmlns:com="http://schemas.openxmlformats.org/drawingml/2006/compatibility" xmlns:p15="http://schemas.microsoft.com/office/powerpoint/2012/main" xmlns:ahyp="http://schemas.microsoft.com/office/drawing/2018/hyperlinkcolor">
       <p:transition spd="slow">
         <p:fade/>
       </p:transition>
@@ -21278,7 +21278,7 @@
                 <a:latin typeface="Calibri" panose="020F0502020204030204" pitchFamily="34" charset="0"/>
                 <a:cs typeface="Calibri" panose="020F0502020204030204" pitchFamily="34" charset="0"/>
               </a:rPr>
-              <a:t>public</a:t>
+              <a:t>private</a:t>
             </a:r>
             <a:r>
               <a:rPr lang="pt-BR" sz="2400" dirty="0">
@@ -21350,7 +21350,7 @@
                 <a:latin typeface="Calibri" panose="020F0502020204030204" pitchFamily="34" charset="0"/>
                 <a:cs typeface="Calibri" panose="020F0502020204030204" pitchFamily="34" charset="0"/>
               </a:rPr>
-              <a:t>public</a:t>
+              <a:t>private</a:t>
             </a:r>
             <a:r>
               <a:rPr lang="pt-BR" sz="2400" dirty="0">
@@ -21469,7 +21469,7 @@
         <p:fade/>
       </p:transition>
     </mc:Choice>
-    <mc:Fallback xmlns:ahyp="http://schemas.microsoft.com/office/drawing/2018/hyperlinkcolor" xmlns:p15="http://schemas.microsoft.com/office/powerpoint/2012/main" xmlns:com="http://schemas.openxmlformats.org/drawingml/2006/compatibility" xmlns:pvml="urn:schemas-microsoft-com:office:powerpoint" xmlns:v="urn:schemas-microsoft-com:vml" xmlns:o="urn:schemas-microsoft-com:office:office" xmlns:dgm="http://schemas.openxmlformats.org/drawingml/2006/diagram" xmlns:c="http://schemas.openxmlformats.org/drawingml/2006/chart" xmlns:mv="urn:schemas-microsoft-com:mac:vml" xmlns="">
+    <mc:Fallback xmlns="" xmlns:mv="urn:schemas-microsoft-com:mac:vml" xmlns:c="http://schemas.openxmlformats.org/drawingml/2006/chart" xmlns:dgm="http://schemas.openxmlformats.org/drawingml/2006/diagram" xmlns:o="urn:schemas-microsoft-com:office:office" xmlns:v="urn:schemas-microsoft-com:vml" xmlns:pvml="urn:schemas-microsoft-com:office:powerpoint" xmlns:com="http://schemas.openxmlformats.org/drawingml/2006/compatibility" xmlns:p15="http://schemas.microsoft.com/office/powerpoint/2012/main" xmlns:ahyp="http://schemas.microsoft.com/office/drawing/2018/hyperlinkcolor">
       <p:transition spd="slow">
         <p:fade/>
       </p:transition>
@@ -21751,7 +21751,7 @@
                 <a:latin typeface="Calibri" panose="020F0502020204030204" pitchFamily="34" charset="0"/>
                 <a:cs typeface="Calibri" panose="020F0502020204030204" pitchFamily="34" charset="0"/>
               </a:rPr>
-              <a:t>public</a:t>
+              <a:t>private</a:t>
             </a:r>
             <a:r>
               <a:rPr lang="pt-BR" sz="2400" dirty="0">
@@ -21803,7 +21803,7 @@
                 <a:latin typeface="Calibri" panose="020F0502020204030204" pitchFamily="34" charset="0"/>
                 <a:cs typeface="Calibri" panose="020F0502020204030204" pitchFamily="34" charset="0"/>
               </a:rPr>
-              <a:t>public</a:t>
+              <a:t>private</a:t>
             </a:r>
             <a:r>
               <a:rPr lang="pt-BR" sz="2400" dirty="0">
@@ -21916,13 +21916,13 @@
   <p:clrMapOvr>
     <a:masterClrMapping/>
   </p:clrMapOvr>
-  <mc:AlternateContent xmlns:mc="http://schemas.openxmlformats.org/markup-compatibility/2006">
-    <mc:Choice xmlns:p14="http://schemas.microsoft.com/office/powerpoint/2010/main" Requires="p14">
+  <mc:AlternateContent xmlns:mc="http://schemas.openxmlformats.org/markup-compatibility/2006" xmlns:p14="http://schemas.microsoft.com/office/powerpoint/2010/main">
+    <mc:Choice Requires="p14">
       <p:transition spd="med" p14:dur="700">
         <p:fade/>
       </p:transition>
     </mc:Choice>
-    <mc:Fallback>
+    <mc:Fallback xmlns="">
       <p:transition spd="med">
         <p:fade/>
       </p:transition>
@@ -22825,7 +22825,7 @@
         </p:blipFill>
         <p:spPr>
           <a:xfrm>
-            <a:off x="7196362" y="2461450"/>
+            <a:off x="7196362" y="79756"/>
             <a:ext cx="1938293" cy="2349447"/>
           </a:xfrm>
           <a:prstGeom prst="rect">
@@ -22844,7 +22844,7 @@
         <p:fade/>
       </p:transition>
     </mc:Choice>
-    <mc:Fallback xmlns:ahyp="http://schemas.microsoft.com/office/drawing/2018/hyperlinkcolor" xmlns:p15="http://schemas.microsoft.com/office/powerpoint/2012/main" xmlns:com="http://schemas.openxmlformats.org/drawingml/2006/compatibility" xmlns:pvml="urn:schemas-microsoft-com:office:powerpoint" xmlns:v="urn:schemas-microsoft-com:vml" xmlns:o="urn:schemas-microsoft-com:office:office" xmlns:dgm="http://schemas.openxmlformats.org/drawingml/2006/diagram" xmlns:c="http://schemas.openxmlformats.org/drawingml/2006/chart" xmlns:mv="urn:schemas-microsoft-com:mac:vml" xmlns="">
+    <mc:Fallback xmlns="" xmlns:mv="urn:schemas-microsoft-com:mac:vml" xmlns:c="http://schemas.openxmlformats.org/drawingml/2006/chart" xmlns:dgm="http://schemas.openxmlformats.org/drawingml/2006/diagram" xmlns:o="urn:schemas-microsoft-com:office:office" xmlns:v="urn:schemas-microsoft-com:vml" xmlns:pvml="urn:schemas-microsoft-com:office:powerpoint" xmlns:com="http://schemas.openxmlformats.org/drawingml/2006/compatibility" xmlns:p15="http://schemas.microsoft.com/office/powerpoint/2012/main" xmlns:ahyp="http://schemas.microsoft.com/office/drawing/2018/hyperlinkcolor">
       <p:transition spd="slow">
         <p:fade/>
       </p:transition>
